--- a/symbols.pptx
+++ b/symbols.pptx
@@ -291,7 +291,7 @@
           <a:p>
             <a:fld id="{4606BDE2-0170-124B-BE04-295401397446}" type="datetimeFigureOut">
               <a:rPr lang="en-US" smtClean="0"/>
-              <a:t>28/05/16</a:t>
+              <a:t>30/05/16</a:t>
             </a:fld>
             <a:endParaRPr lang="en-US"/>
           </a:p>
@@ -461,7 +461,7 @@
           <a:p>
             <a:fld id="{4606BDE2-0170-124B-BE04-295401397446}" type="datetimeFigureOut">
               <a:rPr lang="en-US" smtClean="0"/>
-              <a:t>28/05/16</a:t>
+              <a:t>30/05/16</a:t>
             </a:fld>
             <a:endParaRPr lang="en-US"/>
           </a:p>
@@ -641,7 +641,7 @@
           <a:p>
             <a:fld id="{4606BDE2-0170-124B-BE04-295401397446}" type="datetimeFigureOut">
               <a:rPr lang="en-US" smtClean="0"/>
-              <a:t>28/05/16</a:t>
+              <a:t>30/05/16</a:t>
             </a:fld>
             <a:endParaRPr lang="en-US"/>
           </a:p>
@@ -811,7 +811,7 @@
           <a:p>
             <a:fld id="{4606BDE2-0170-124B-BE04-295401397446}" type="datetimeFigureOut">
               <a:rPr lang="en-US" smtClean="0"/>
-              <a:t>28/05/16</a:t>
+              <a:t>30/05/16</a:t>
             </a:fld>
             <a:endParaRPr lang="en-US"/>
           </a:p>
@@ -1057,7 +1057,7 @@
           <a:p>
             <a:fld id="{4606BDE2-0170-124B-BE04-295401397446}" type="datetimeFigureOut">
               <a:rPr lang="en-US" smtClean="0"/>
-              <a:t>28/05/16</a:t>
+              <a:t>30/05/16</a:t>
             </a:fld>
             <a:endParaRPr lang="en-US"/>
           </a:p>
@@ -1345,7 +1345,7 @@
           <a:p>
             <a:fld id="{4606BDE2-0170-124B-BE04-295401397446}" type="datetimeFigureOut">
               <a:rPr lang="en-US" smtClean="0"/>
-              <a:t>28/05/16</a:t>
+              <a:t>30/05/16</a:t>
             </a:fld>
             <a:endParaRPr lang="en-US"/>
           </a:p>
@@ -1767,7 +1767,7 @@
           <a:p>
             <a:fld id="{4606BDE2-0170-124B-BE04-295401397446}" type="datetimeFigureOut">
               <a:rPr lang="en-US" smtClean="0"/>
-              <a:t>28/05/16</a:t>
+              <a:t>30/05/16</a:t>
             </a:fld>
             <a:endParaRPr lang="en-US"/>
           </a:p>
@@ -1885,7 +1885,7 @@
           <a:p>
             <a:fld id="{4606BDE2-0170-124B-BE04-295401397446}" type="datetimeFigureOut">
               <a:rPr lang="en-US" smtClean="0"/>
-              <a:t>28/05/16</a:t>
+              <a:t>30/05/16</a:t>
             </a:fld>
             <a:endParaRPr lang="en-US"/>
           </a:p>
@@ -1980,7 +1980,7 @@
           <a:p>
             <a:fld id="{4606BDE2-0170-124B-BE04-295401397446}" type="datetimeFigureOut">
               <a:rPr lang="en-US" smtClean="0"/>
-              <a:t>28/05/16</a:t>
+              <a:t>30/05/16</a:t>
             </a:fld>
             <a:endParaRPr lang="en-US"/>
           </a:p>
@@ -2257,7 +2257,7 @@
           <a:p>
             <a:fld id="{4606BDE2-0170-124B-BE04-295401397446}" type="datetimeFigureOut">
               <a:rPr lang="en-US" smtClean="0"/>
-              <a:t>28/05/16</a:t>
+              <a:t>30/05/16</a:t>
             </a:fld>
             <a:endParaRPr lang="en-US"/>
           </a:p>
@@ -2510,7 +2510,7 @@
           <a:p>
             <a:fld id="{4606BDE2-0170-124B-BE04-295401397446}" type="datetimeFigureOut">
               <a:rPr lang="en-US" smtClean="0"/>
-              <a:t>28/05/16</a:t>
+              <a:t>30/05/16</a:t>
             </a:fld>
             <a:endParaRPr lang="en-US"/>
           </a:p>
@@ -2723,7 +2723,7 @@
           <a:p>
             <a:fld id="{4606BDE2-0170-124B-BE04-295401397446}" type="datetimeFigureOut">
               <a:rPr lang="en-US" smtClean="0"/>
-              <a:t>28/05/16</a:t>
+              <a:t>30/05/16</a:t>
             </a:fld>
             <a:endParaRPr lang="en-US"/>
           </a:p>
@@ -3715,10 +3715,6 @@
                 </a:rPr>
                 <a:t>x</a:t>
               </a:r>
-              <a:endParaRPr lang="en-US" sz="8800" baseline="30000" dirty="0">
-                <a:latin typeface="Helvetica Neue Light"/>
-                <a:cs typeface="Helvetica Neue Light"/>
-              </a:endParaRPr>
             </a:p>
           </p:txBody>
         </p:sp>
@@ -3872,10 +3868,6 @@
                 </a:rPr>
                 <a:t>y</a:t>
               </a:r>
-              <a:endParaRPr lang="en-US" sz="8800" baseline="30000" dirty="0">
-                <a:latin typeface="Helvetica Neue Light"/>
-                <a:cs typeface="Helvetica Neue Light"/>
-              </a:endParaRPr>
             </a:p>
           </p:txBody>
         </p:sp>
@@ -4224,10 +4216,6 @@
               </a:rPr>
               <a:t>3</a:t>
             </a:r>
-            <a:endParaRPr lang="en-US" sz="8800" baseline="30000" dirty="0">
-              <a:latin typeface="Helvetica Neue Light"/>
-              <a:cs typeface="Helvetica Neue Light"/>
-            </a:endParaRPr>
           </a:p>
         </p:txBody>
       </p:sp>
@@ -4498,7 +4486,7 @@
         </p:nvCxnSpPr>
         <p:spPr>
           <a:xfrm>
-            <a:off x="343750" y="3771508"/>
+            <a:off x="343750" y="3866988"/>
             <a:ext cx="8519297" cy="12395"/>
           </a:xfrm>
           <a:prstGeom prst="line">
@@ -4558,7 +4546,7 @@
         </p:nvSpPr>
         <p:spPr>
           <a:xfrm>
-            <a:off x="4735372" y="1645067"/>
+            <a:off x="4735372" y="1692807"/>
             <a:ext cx="1117565" cy="1649597"/>
           </a:xfrm>
           <a:prstGeom prst="rect">
@@ -4578,11 +4566,11 @@
               </a:lnSpc>
             </a:pPr>
             <a:r>
-              <a:rPr lang="en-US" sz="13800" dirty="0" smtClean="0">
+              <a:rPr lang="en-US" sz="13800" dirty="0">
                 <a:latin typeface="Helvetica Neue Thin"/>
                 <a:cs typeface="Helvetica Neue Thin"/>
               </a:rPr>
-              <a:t>x</a:t>
+              <a:t>y</a:t>
             </a:r>
             <a:endParaRPr lang="en-US" sz="13800" baseline="30000" dirty="0">
               <a:latin typeface="Helvetica Neue Thin"/>
@@ -4599,7 +4587,7 @@
         </p:nvSpPr>
         <p:spPr>
           <a:xfrm>
-            <a:off x="2309663" y="1654983"/>
+            <a:off x="2309663" y="1702723"/>
             <a:ext cx="1117565" cy="1649597"/>
           </a:xfrm>
           <a:prstGeom prst="rect">
@@ -4640,7 +4628,7 @@
         </p:nvSpPr>
         <p:spPr>
           <a:xfrm rot="18900000">
-            <a:off x="3626991" y="1375471"/>
+            <a:off x="3626991" y="1423211"/>
             <a:ext cx="1117565" cy="3093582"/>
           </a:xfrm>
           <a:prstGeom prst="rect">
@@ -4681,7 +4669,7 @@
         </p:nvSpPr>
         <p:spPr>
           <a:xfrm rot="18900000">
-            <a:off x="4409625" y="1375103"/>
+            <a:off x="4409625" y="1422843"/>
             <a:ext cx="1117565" cy="3093582"/>
           </a:xfrm>
           <a:prstGeom prst="rect">

--- a/symbols.pptx
+++ b/symbols.pptx
@@ -9,6 +9,7 @@
     <p:sldId id="257" r:id="rId3"/>
     <p:sldId id="258" r:id="rId4"/>
     <p:sldId id="259" r:id="rId5"/>
+    <p:sldId id="260" r:id="rId6"/>
   </p:sldIdLst>
   <p:sldSz cx="9144000" cy="6858000" type="screen4x3"/>
   <p:notesSz cx="6858000" cy="9144000"/>
@@ -291,7 +292,7 @@
           <a:p>
             <a:fld id="{4606BDE2-0170-124B-BE04-295401397446}" type="datetimeFigureOut">
               <a:rPr lang="en-US" smtClean="0"/>
-              <a:t>30/05/16</a:t>
+              <a:t>06/06/16</a:t>
             </a:fld>
             <a:endParaRPr lang="en-US"/>
           </a:p>
@@ -461,7 +462,7 @@
           <a:p>
             <a:fld id="{4606BDE2-0170-124B-BE04-295401397446}" type="datetimeFigureOut">
               <a:rPr lang="en-US" smtClean="0"/>
-              <a:t>30/05/16</a:t>
+              <a:t>06/06/16</a:t>
             </a:fld>
             <a:endParaRPr lang="en-US"/>
           </a:p>
@@ -641,7 +642,7 @@
           <a:p>
             <a:fld id="{4606BDE2-0170-124B-BE04-295401397446}" type="datetimeFigureOut">
               <a:rPr lang="en-US" smtClean="0"/>
-              <a:t>30/05/16</a:t>
+              <a:t>06/06/16</a:t>
             </a:fld>
             <a:endParaRPr lang="en-US"/>
           </a:p>
@@ -811,7 +812,7 @@
           <a:p>
             <a:fld id="{4606BDE2-0170-124B-BE04-295401397446}" type="datetimeFigureOut">
               <a:rPr lang="en-US" smtClean="0"/>
-              <a:t>30/05/16</a:t>
+              <a:t>06/06/16</a:t>
             </a:fld>
             <a:endParaRPr lang="en-US"/>
           </a:p>
@@ -1057,7 +1058,7 @@
           <a:p>
             <a:fld id="{4606BDE2-0170-124B-BE04-295401397446}" type="datetimeFigureOut">
               <a:rPr lang="en-US" smtClean="0"/>
-              <a:t>30/05/16</a:t>
+              <a:t>06/06/16</a:t>
             </a:fld>
             <a:endParaRPr lang="en-US"/>
           </a:p>
@@ -1345,7 +1346,7 @@
           <a:p>
             <a:fld id="{4606BDE2-0170-124B-BE04-295401397446}" type="datetimeFigureOut">
               <a:rPr lang="en-US" smtClean="0"/>
-              <a:t>30/05/16</a:t>
+              <a:t>06/06/16</a:t>
             </a:fld>
             <a:endParaRPr lang="en-US"/>
           </a:p>
@@ -1767,7 +1768,7 @@
           <a:p>
             <a:fld id="{4606BDE2-0170-124B-BE04-295401397446}" type="datetimeFigureOut">
               <a:rPr lang="en-US" smtClean="0"/>
-              <a:t>30/05/16</a:t>
+              <a:t>06/06/16</a:t>
             </a:fld>
             <a:endParaRPr lang="en-US"/>
           </a:p>
@@ -1885,7 +1886,7 @@
           <a:p>
             <a:fld id="{4606BDE2-0170-124B-BE04-295401397446}" type="datetimeFigureOut">
               <a:rPr lang="en-US" smtClean="0"/>
-              <a:t>30/05/16</a:t>
+              <a:t>06/06/16</a:t>
             </a:fld>
             <a:endParaRPr lang="en-US"/>
           </a:p>
@@ -1980,7 +1981,7 @@
           <a:p>
             <a:fld id="{4606BDE2-0170-124B-BE04-295401397446}" type="datetimeFigureOut">
               <a:rPr lang="en-US" smtClean="0"/>
-              <a:t>30/05/16</a:t>
+              <a:t>06/06/16</a:t>
             </a:fld>
             <a:endParaRPr lang="en-US"/>
           </a:p>
@@ -2257,7 +2258,7 @@
           <a:p>
             <a:fld id="{4606BDE2-0170-124B-BE04-295401397446}" type="datetimeFigureOut">
               <a:rPr lang="en-US" smtClean="0"/>
-              <a:t>30/05/16</a:t>
+              <a:t>06/06/16</a:t>
             </a:fld>
             <a:endParaRPr lang="en-US"/>
           </a:p>
@@ -2510,7 +2511,7 @@
           <a:p>
             <a:fld id="{4606BDE2-0170-124B-BE04-295401397446}" type="datetimeFigureOut">
               <a:rPr lang="en-US" smtClean="0"/>
-              <a:t>30/05/16</a:t>
+              <a:t>06/06/16</a:t>
             </a:fld>
             <a:endParaRPr lang="en-US"/>
           </a:p>
@@ -2723,7 +2724,7 @@
           <a:p>
             <a:fld id="{4606BDE2-0170-124B-BE04-295401397446}" type="datetimeFigureOut">
               <a:rPr lang="en-US" smtClean="0"/>
-              <a:t>30/05/16</a:t>
+              <a:t>06/06/16</a:t>
             </a:fld>
             <a:endParaRPr lang="en-US"/>
           </a:p>
@@ -4706,6 +4707,397 @@
     <p:extLst>
       <p:ext uri="{BB962C8B-B14F-4D97-AF65-F5344CB8AC3E}">
         <p14:creationId xmlns:p14="http://schemas.microsoft.com/office/powerpoint/2010/main" val="2523736431"/>
+      </p:ext>
+    </p:extLst>
+  </p:cSld>
+  <p:clrMapOvr>
+    <a:masterClrMapping/>
+  </p:clrMapOvr>
+</p:sld>
+</file>
+
+<file path=ppt/slides/slide5.xml><?xml version="1.0" encoding="utf-8"?>
+<p:sld xmlns:a="http://schemas.openxmlformats.org/drawingml/2006/main" xmlns:r="http://schemas.openxmlformats.org/officeDocument/2006/relationships" xmlns:p="http://schemas.openxmlformats.org/presentationml/2006/main">
+  <p:cSld>
+    <p:spTree>
+      <p:nvGrpSpPr>
+        <p:cNvPr id="1" name=""/>
+        <p:cNvGrpSpPr/>
+        <p:nvPr/>
+      </p:nvGrpSpPr>
+      <p:grpSpPr>
+        <a:xfrm>
+          <a:off x="0" y="0"/>
+          <a:ext cx="0" cy="0"/>
+          <a:chOff x="0" y="0"/>
+          <a:chExt cx="0" cy="0"/>
+        </a:xfrm>
+      </p:grpSpPr>
+      <p:pic>
+        <p:nvPicPr>
+          <p:cNvPr id="3" name="Picture 2" descr="Simulator Screen Shot 06 Jun 2016 22.24.53.png"/>
+          <p:cNvPicPr>
+            <a:picLocks noChangeAspect="1"/>
+          </p:cNvPicPr>
+          <p:nvPr/>
+        </p:nvPicPr>
+        <p:blipFill rotWithShape="1">
+          <a:blip r:embed="rId2">
+            <a:extLst>
+              <a:ext uri="{28A0092B-C50C-407E-A947-70E740481C1C}">
+                <a14:useLocalDpi xmlns:a14="http://schemas.microsoft.com/office/drawing/2010/main" val="0"/>
+              </a:ext>
+            </a:extLst>
+          </a:blip>
+          <a:srcRect l="75798" t="30511" r="13949" b="64411"/>
+          <a:stretch/>
+        </p:blipFill>
+        <p:spPr>
+          <a:xfrm>
+            <a:off x="2689093" y="1785515"/>
+            <a:ext cx="3035963" cy="3035961"/>
+          </a:xfrm>
+          <a:prstGeom prst="rect">
+            <a:avLst/>
+          </a:prstGeom>
+        </p:spPr>
+      </p:pic>
+      <p:sp>
+        <p:nvSpPr>
+          <p:cNvPr id="18" name="Rectangle 17"/>
+          <p:cNvSpPr/>
+          <p:nvPr/>
+        </p:nvSpPr>
+        <p:spPr>
+          <a:xfrm>
+            <a:off x="4209778" y="3300776"/>
+            <a:ext cx="1515277" cy="1517979"/>
+          </a:xfrm>
+          <a:prstGeom prst="rect">
+            <a:avLst/>
+          </a:prstGeom>
+          <a:solidFill>
+            <a:schemeClr val="bg1">
+              <a:lumMod val="65000"/>
+            </a:schemeClr>
+          </a:solidFill>
+          <a:ln>
+            <a:noFill/>
+          </a:ln>
+          <a:effectLst/>
+        </p:spPr>
+        <p:style>
+          <a:lnRef idx="1">
+            <a:schemeClr val="accent1"/>
+          </a:lnRef>
+          <a:fillRef idx="3">
+            <a:schemeClr val="accent1"/>
+          </a:fillRef>
+          <a:effectRef idx="2">
+            <a:schemeClr val="accent1"/>
+          </a:effectRef>
+          <a:fontRef idx="minor">
+            <a:schemeClr val="lt1"/>
+          </a:fontRef>
+        </p:style>
+        <p:txBody>
+          <a:bodyPr rtlCol="0" anchor="ctr"/>
+          <a:lstStyle/>
+          <a:p>
+            <a:pPr algn="ctr"/>
+            <a:endParaRPr lang="en-US"/>
+          </a:p>
+        </p:txBody>
+      </p:sp>
+      <p:cxnSp>
+        <p:nvCxnSpPr>
+          <p:cNvPr id="8" name="Straight Connector 7"/>
+          <p:cNvCxnSpPr/>
+          <p:nvPr/>
+        </p:nvCxnSpPr>
+        <p:spPr>
+          <a:xfrm>
+            <a:off x="4209778" y="1782794"/>
+            <a:ext cx="0" cy="3035961"/>
+          </a:xfrm>
+          <a:prstGeom prst="line">
+            <a:avLst/>
+          </a:prstGeom>
+          <a:ln w="57150" cmpd="sng">
+            <a:solidFill>
+              <a:schemeClr val="tx1">
+                <a:lumMod val="75000"/>
+                <a:lumOff val="25000"/>
+              </a:schemeClr>
+            </a:solidFill>
+          </a:ln>
+          <a:effectLst/>
+        </p:spPr>
+        <p:style>
+          <a:lnRef idx="2">
+            <a:schemeClr val="accent1"/>
+          </a:lnRef>
+          <a:fillRef idx="0">
+            <a:schemeClr val="accent1"/>
+          </a:fillRef>
+          <a:effectRef idx="1">
+            <a:schemeClr val="accent1"/>
+          </a:effectRef>
+          <a:fontRef idx="minor">
+            <a:schemeClr val="tx1"/>
+          </a:fontRef>
+        </p:style>
+      </p:cxnSp>
+      <p:cxnSp>
+        <p:nvCxnSpPr>
+          <p:cNvPr id="13" name="Straight Connector 12"/>
+          <p:cNvCxnSpPr/>
+          <p:nvPr/>
+        </p:nvCxnSpPr>
+        <p:spPr>
+          <a:xfrm rot="16200000">
+            <a:off x="4207074" y="1782795"/>
+            <a:ext cx="0" cy="3035961"/>
+          </a:xfrm>
+          <a:prstGeom prst="line">
+            <a:avLst/>
+          </a:prstGeom>
+          <a:ln w="57150" cmpd="sng">
+            <a:solidFill>
+              <a:schemeClr val="tx1">
+                <a:lumMod val="75000"/>
+                <a:lumOff val="25000"/>
+              </a:schemeClr>
+            </a:solidFill>
+          </a:ln>
+          <a:effectLst/>
+        </p:spPr>
+        <p:style>
+          <a:lnRef idx="2">
+            <a:schemeClr val="accent1"/>
+          </a:lnRef>
+          <a:fillRef idx="0">
+            <a:schemeClr val="accent1"/>
+          </a:fillRef>
+          <a:effectRef idx="1">
+            <a:schemeClr val="accent1"/>
+          </a:effectRef>
+          <a:fontRef idx="minor">
+            <a:schemeClr val="tx1"/>
+          </a:fontRef>
+        </p:style>
+      </p:cxnSp>
+      <p:sp>
+        <p:nvSpPr>
+          <p:cNvPr id="14" name="TextBox 13"/>
+          <p:cNvSpPr txBox="1"/>
+          <p:nvPr/>
+        </p:nvSpPr>
+        <p:spPr>
+          <a:xfrm>
+            <a:off x="3121514" y="3175515"/>
+            <a:ext cx="610731" cy="1569660"/>
+          </a:xfrm>
+          <a:prstGeom prst="rect">
+            <a:avLst/>
+          </a:prstGeom>
+          <a:noFill/>
+        </p:spPr>
+        <p:txBody>
+          <a:bodyPr wrap="square" rtlCol="0">
+            <a:spAutoFit/>
+          </a:bodyPr>
+          <a:lstStyle/>
+          <a:p>
+            <a:r>
+              <a:rPr lang="en-US" sz="9600" dirty="0">
+                <a:solidFill>
+                  <a:schemeClr val="bg1"/>
+                </a:solidFill>
+              </a:rPr>
+              <a:t>×</a:t>
+            </a:r>
+          </a:p>
+        </p:txBody>
+      </p:sp>
+      <p:sp>
+        <p:nvSpPr>
+          <p:cNvPr id="15" name="TextBox 14"/>
+          <p:cNvSpPr txBox="1"/>
+          <p:nvPr/>
+        </p:nvSpPr>
+        <p:spPr>
+          <a:xfrm>
+            <a:off x="3121514" y="1670070"/>
+            <a:ext cx="610731" cy="1569660"/>
+          </a:xfrm>
+          <a:prstGeom prst="rect">
+            <a:avLst/>
+          </a:prstGeom>
+          <a:noFill/>
+        </p:spPr>
+        <p:txBody>
+          <a:bodyPr wrap="square" rtlCol="0">
+            <a:spAutoFit/>
+          </a:bodyPr>
+          <a:lstStyle/>
+          <a:p>
+            <a:r>
+              <a:rPr lang="en-US" sz="9600" dirty="0">
+                <a:solidFill>
+                  <a:schemeClr val="bg1"/>
+                </a:solidFill>
+              </a:rPr>
+              <a:t>÷</a:t>
+            </a:r>
+          </a:p>
+        </p:txBody>
+      </p:sp>
+      <p:sp>
+        <p:nvSpPr>
+          <p:cNvPr id="16" name="TextBox 15"/>
+          <p:cNvSpPr txBox="1"/>
+          <p:nvPr/>
+        </p:nvSpPr>
+        <p:spPr>
+          <a:xfrm>
+            <a:off x="4582623" y="1670070"/>
+            <a:ext cx="610731" cy="1569660"/>
+          </a:xfrm>
+          <a:prstGeom prst="rect">
+            <a:avLst/>
+          </a:prstGeom>
+          <a:noFill/>
+        </p:spPr>
+        <p:txBody>
+          <a:bodyPr wrap="square" rtlCol="0">
+            <a:spAutoFit/>
+          </a:bodyPr>
+          <a:lstStyle/>
+          <a:p>
+            <a:r>
+              <a:rPr lang="en-US" sz="9600" dirty="0">
+                <a:solidFill>
+                  <a:schemeClr val="bg1"/>
+                </a:solidFill>
+              </a:rPr>
+              <a:t>−</a:t>
+            </a:r>
+          </a:p>
+        </p:txBody>
+      </p:sp>
+      <p:sp>
+        <p:nvSpPr>
+          <p:cNvPr id="17" name="TextBox 16"/>
+          <p:cNvSpPr txBox="1"/>
+          <p:nvPr/>
+        </p:nvSpPr>
+        <p:spPr>
+          <a:xfrm>
+            <a:off x="4582623" y="3172404"/>
+            <a:ext cx="610731" cy="1569660"/>
+          </a:xfrm>
+          <a:prstGeom prst="rect">
+            <a:avLst/>
+          </a:prstGeom>
+          <a:noFill/>
+        </p:spPr>
+        <p:txBody>
+          <a:bodyPr wrap="square" rtlCol="0">
+            <a:spAutoFit/>
+          </a:bodyPr>
+          <a:lstStyle/>
+          <a:p>
+            <a:r>
+              <a:rPr lang="en-US" sz="9600" dirty="0">
+                <a:solidFill>
+                  <a:schemeClr val="bg1"/>
+                </a:solidFill>
+              </a:rPr>
+              <a:t>=</a:t>
+            </a:r>
+          </a:p>
+        </p:txBody>
+      </p:sp>
+      <p:sp>
+        <p:nvSpPr>
+          <p:cNvPr id="19" name="Right Triangle 18"/>
+          <p:cNvSpPr/>
+          <p:nvPr/>
+        </p:nvSpPr>
+        <p:spPr>
+          <a:xfrm rot="5400000">
+            <a:off x="2689093" y="1780758"/>
+            <a:ext cx="1896029" cy="1896029"/>
+          </a:xfrm>
+          <a:prstGeom prst="rtTriangle">
+            <a:avLst/>
+          </a:prstGeom>
+          <a:solidFill>
+            <a:srgbClr val="FFFF00"/>
+          </a:solidFill>
+          <a:ln>
+            <a:noFill/>
+          </a:ln>
+          <a:effectLst/>
+        </p:spPr>
+        <p:style>
+          <a:lnRef idx="1">
+            <a:schemeClr val="accent1"/>
+          </a:lnRef>
+          <a:fillRef idx="3">
+            <a:schemeClr val="accent1"/>
+          </a:fillRef>
+          <a:effectRef idx="2">
+            <a:schemeClr val="accent1"/>
+          </a:effectRef>
+          <a:fontRef idx="minor">
+            <a:schemeClr val="lt1"/>
+          </a:fontRef>
+        </p:style>
+        <p:txBody>
+          <a:bodyPr rtlCol="0" anchor="ctr"/>
+          <a:lstStyle/>
+          <a:p>
+            <a:pPr algn="ctr"/>
+            <a:endParaRPr lang="en-US"/>
+          </a:p>
+        </p:txBody>
+      </p:sp>
+      <p:sp>
+        <p:nvSpPr>
+          <p:cNvPr id="20" name="TextBox 19"/>
+          <p:cNvSpPr txBox="1"/>
+          <p:nvPr/>
+        </p:nvSpPr>
+        <p:spPr>
+          <a:xfrm rot="18900000">
+            <a:off x="2539598" y="1966908"/>
+            <a:ext cx="1678631" cy="923330"/>
+          </a:xfrm>
+          <a:prstGeom prst="rect">
+            <a:avLst/>
+          </a:prstGeom>
+          <a:noFill/>
+        </p:spPr>
+        <p:txBody>
+          <a:bodyPr wrap="square" rtlCol="0">
+            <a:spAutoFit/>
+          </a:bodyPr>
+          <a:lstStyle/>
+          <a:p>
+            <a:r>
+              <a:rPr lang="en-US" sz="5400" b="1" dirty="0" smtClean="0"/>
+              <a:t>GMP</a:t>
+            </a:r>
+            <a:endParaRPr lang="en-US" sz="5400" b="1" dirty="0"/>
+          </a:p>
+        </p:txBody>
+      </p:sp>
+    </p:spTree>
+    <p:extLst>
+      <p:ext uri="{BB962C8B-B14F-4D97-AF65-F5344CB8AC3E}">
+        <p14:creationId xmlns:p14="http://schemas.microsoft.com/office/powerpoint/2010/main" val="929711419"/>
       </p:ext>
     </p:extLst>
   </p:cSld>

--- a/symbols.pptx
+++ b/symbols.pptx
@@ -108,6 +108,22 @@
       </a:defRPr>
     </a:lvl9pPr>
   </p:defaultTextStyle>
+  <p:extLst>
+    <p:ext uri="{EFAFB233-063F-42B5-8137-9DF3F51BA10A}">
+      <p15:sldGuideLst xmlns:p15="http://schemas.microsoft.com/office/powerpoint/2012/main">
+        <p15:guide id="1" orient="horz" pos="2160">
+          <p15:clr>
+            <a:srgbClr val="A4A3A4"/>
+          </p15:clr>
+        </p15:guide>
+        <p15:guide id="2" pos="2880">
+          <p15:clr>
+            <a:srgbClr val="A4A3A4"/>
+          </p15:clr>
+        </p15:guide>
+      </p15:sldGuideLst>
+    </p:ext>
+  </p:extLst>
 </p:presentation>
 </file>
 
@@ -149,10 +165,9 @@
           <a:lstStyle/>
           <a:p>
             <a:r>
-              <a:rPr lang="en-US" smtClean="0"/>
+              <a:rPr lang="en-US"/>
               <a:t>Click to edit Master title style</a:t>
             </a:r>
-            <a:endParaRPr lang="en-US"/>
           </a:p>
         </p:txBody>
       </p:sp>
@@ -268,10 +283,9 @@
           </a:lstStyle>
           <a:p>
             <a:r>
-              <a:rPr lang="en-US" smtClean="0"/>
+              <a:rPr lang="en-US"/>
               <a:t>Click to edit Master subtitle style</a:t>
             </a:r>
-            <a:endParaRPr lang="en-US"/>
           </a:p>
         </p:txBody>
       </p:sp>
@@ -292,7 +306,7 @@
           <a:p>
             <a:fld id="{4606BDE2-0170-124B-BE04-295401397446}" type="datetimeFigureOut">
               <a:rPr lang="en-US" smtClean="0"/>
-              <a:t>06/06/16</a:t>
+              <a:t>9/21/18</a:t>
             </a:fld>
             <a:endParaRPr lang="en-US"/>
           </a:p>
@@ -386,10 +400,9 @@
           <a:lstStyle/>
           <a:p>
             <a:r>
-              <a:rPr lang="en-US" smtClean="0"/>
+              <a:rPr lang="en-US"/>
               <a:t>Click to edit Master title style</a:t>
             </a:r>
-            <a:endParaRPr lang="en-US"/>
           </a:p>
         </p:txBody>
       </p:sp>
@@ -410,38 +423,37 @@
           <a:p>
             <a:pPr lvl="0"/>
             <a:r>
-              <a:rPr lang="en-US" smtClean="0"/>
+              <a:rPr lang="en-US"/>
               <a:t>Click to edit Master text styles</a:t>
             </a:r>
           </a:p>
           <a:p>
             <a:pPr lvl="1"/>
             <a:r>
-              <a:rPr lang="en-US" smtClean="0"/>
+              <a:rPr lang="en-US"/>
               <a:t>Second level</a:t>
             </a:r>
           </a:p>
           <a:p>
             <a:pPr lvl="2"/>
             <a:r>
-              <a:rPr lang="en-US" smtClean="0"/>
+              <a:rPr lang="en-US"/>
               <a:t>Third level</a:t>
             </a:r>
           </a:p>
           <a:p>
             <a:pPr lvl="3"/>
             <a:r>
-              <a:rPr lang="en-US" smtClean="0"/>
+              <a:rPr lang="en-US"/>
               <a:t>Fourth level</a:t>
             </a:r>
           </a:p>
           <a:p>
             <a:pPr lvl="4"/>
             <a:r>
-              <a:rPr lang="en-US" smtClean="0"/>
+              <a:rPr lang="en-US"/>
               <a:t>Fifth level</a:t>
             </a:r>
-            <a:endParaRPr lang="en-US"/>
           </a:p>
         </p:txBody>
       </p:sp>
@@ -462,7 +474,7 @@
           <a:p>
             <a:fld id="{4606BDE2-0170-124B-BE04-295401397446}" type="datetimeFigureOut">
               <a:rPr lang="en-US" smtClean="0"/>
-              <a:t>06/06/16</a:t>
+              <a:t>9/21/18</a:t>
             </a:fld>
             <a:endParaRPr lang="en-US"/>
           </a:p>
@@ -561,10 +573,9 @@
           <a:lstStyle/>
           <a:p>
             <a:r>
-              <a:rPr lang="en-US" smtClean="0"/>
+              <a:rPr lang="en-US"/>
               <a:t>Click to edit Master title style</a:t>
             </a:r>
-            <a:endParaRPr lang="en-US"/>
           </a:p>
         </p:txBody>
       </p:sp>
@@ -590,38 +601,37 @@
           <a:p>
             <a:pPr lvl="0"/>
             <a:r>
-              <a:rPr lang="en-US" smtClean="0"/>
+              <a:rPr lang="en-US"/>
               <a:t>Click to edit Master text styles</a:t>
             </a:r>
           </a:p>
           <a:p>
             <a:pPr lvl="1"/>
             <a:r>
-              <a:rPr lang="en-US" smtClean="0"/>
+              <a:rPr lang="en-US"/>
               <a:t>Second level</a:t>
             </a:r>
           </a:p>
           <a:p>
             <a:pPr lvl="2"/>
             <a:r>
-              <a:rPr lang="en-US" smtClean="0"/>
+              <a:rPr lang="en-US"/>
               <a:t>Third level</a:t>
             </a:r>
           </a:p>
           <a:p>
             <a:pPr lvl="3"/>
             <a:r>
-              <a:rPr lang="en-US" smtClean="0"/>
+              <a:rPr lang="en-US"/>
               <a:t>Fourth level</a:t>
             </a:r>
           </a:p>
           <a:p>
             <a:pPr lvl="4"/>
             <a:r>
-              <a:rPr lang="en-US" smtClean="0"/>
+              <a:rPr lang="en-US"/>
               <a:t>Fifth level</a:t>
             </a:r>
-            <a:endParaRPr lang="en-US"/>
           </a:p>
         </p:txBody>
       </p:sp>
@@ -642,7 +652,7 @@
           <a:p>
             <a:fld id="{4606BDE2-0170-124B-BE04-295401397446}" type="datetimeFigureOut">
               <a:rPr lang="en-US" smtClean="0"/>
-              <a:t>06/06/16</a:t>
+              <a:t>9/21/18</a:t>
             </a:fld>
             <a:endParaRPr lang="en-US"/>
           </a:p>
@@ -736,10 +746,9 @@
           <a:lstStyle/>
           <a:p>
             <a:r>
-              <a:rPr lang="en-US" smtClean="0"/>
+              <a:rPr lang="en-US"/>
               <a:t>Click to edit Master title style</a:t>
             </a:r>
-            <a:endParaRPr lang="en-US"/>
           </a:p>
         </p:txBody>
       </p:sp>
@@ -760,38 +769,37 @@
           <a:p>
             <a:pPr lvl="0"/>
             <a:r>
-              <a:rPr lang="en-US" smtClean="0"/>
+              <a:rPr lang="en-US"/>
               <a:t>Click to edit Master text styles</a:t>
             </a:r>
           </a:p>
           <a:p>
             <a:pPr lvl="1"/>
             <a:r>
-              <a:rPr lang="en-US" smtClean="0"/>
+              <a:rPr lang="en-US"/>
               <a:t>Second level</a:t>
             </a:r>
           </a:p>
           <a:p>
             <a:pPr lvl="2"/>
             <a:r>
-              <a:rPr lang="en-US" smtClean="0"/>
+              <a:rPr lang="en-US"/>
               <a:t>Third level</a:t>
             </a:r>
           </a:p>
           <a:p>
             <a:pPr lvl="3"/>
             <a:r>
-              <a:rPr lang="en-US" smtClean="0"/>
+              <a:rPr lang="en-US"/>
               <a:t>Fourth level</a:t>
             </a:r>
           </a:p>
           <a:p>
             <a:pPr lvl="4"/>
             <a:r>
-              <a:rPr lang="en-US" smtClean="0"/>
+              <a:rPr lang="en-US"/>
               <a:t>Fifth level</a:t>
             </a:r>
-            <a:endParaRPr lang="en-US"/>
           </a:p>
         </p:txBody>
       </p:sp>
@@ -812,7 +820,7 @@
           <a:p>
             <a:fld id="{4606BDE2-0170-124B-BE04-295401397446}" type="datetimeFigureOut">
               <a:rPr lang="en-US" smtClean="0"/>
-              <a:t>06/06/16</a:t>
+              <a:t>9/21/18</a:t>
             </a:fld>
             <a:endParaRPr lang="en-US"/>
           </a:p>
@@ -915,10 +923,9 @@
           </a:lstStyle>
           <a:p>
             <a:r>
-              <a:rPr lang="en-US" smtClean="0"/>
+              <a:rPr lang="en-US"/>
               <a:t>Click to edit Master title style</a:t>
             </a:r>
-            <a:endParaRPr lang="en-US"/>
           </a:p>
         </p:txBody>
       </p:sp>
@@ -1035,7 +1042,7 @@
           <a:p>
             <a:pPr lvl="0"/>
             <a:r>
-              <a:rPr lang="en-US" smtClean="0"/>
+              <a:rPr lang="en-US"/>
               <a:t>Click to edit Master text styles</a:t>
             </a:r>
           </a:p>
@@ -1058,7 +1065,7 @@
           <a:p>
             <a:fld id="{4606BDE2-0170-124B-BE04-295401397446}" type="datetimeFigureOut">
               <a:rPr lang="en-US" smtClean="0"/>
-              <a:t>06/06/16</a:t>
+              <a:t>9/21/18</a:t>
             </a:fld>
             <a:endParaRPr lang="en-US"/>
           </a:p>
@@ -1152,10 +1159,9 @@
           <a:lstStyle/>
           <a:p>
             <a:r>
-              <a:rPr lang="en-US" smtClean="0"/>
+              <a:rPr lang="en-US"/>
               <a:t>Click to edit Master title style</a:t>
             </a:r>
-            <a:endParaRPr lang="en-US"/>
           </a:p>
         </p:txBody>
       </p:sp>
@@ -1209,38 +1215,37 @@
           <a:p>
             <a:pPr lvl="0"/>
             <a:r>
-              <a:rPr lang="en-US" smtClean="0"/>
+              <a:rPr lang="en-US"/>
               <a:t>Click to edit Master text styles</a:t>
             </a:r>
           </a:p>
           <a:p>
             <a:pPr lvl="1"/>
             <a:r>
-              <a:rPr lang="en-US" smtClean="0"/>
+              <a:rPr lang="en-US"/>
               <a:t>Second level</a:t>
             </a:r>
           </a:p>
           <a:p>
             <a:pPr lvl="2"/>
             <a:r>
-              <a:rPr lang="en-US" smtClean="0"/>
+              <a:rPr lang="en-US"/>
               <a:t>Third level</a:t>
             </a:r>
           </a:p>
           <a:p>
             <a:pPr lvl="3"/>
             <a:r>
-              <a:rPr lang="en-US" smtClean="0"/>
+              <a:rPr lang="en-US"/>
               <a:t>Fourth level</a:t>
             </a:r>
           </a:p>
           <a:p>
             <a:pPr lvl="4"/>
             <a:r>
-              <a:rPr lang="en-US" smtClean="0"/>
+              <a:rPr lang="en-US"/>
               <a:t>Fifth level</a:t>
             </a:r>
-            <a:endParaRPr lang="en-US"/>
           </a:p>
         </p:txBody>
       </p:sp>
@@ -1294,38 +1299,37 @@
           <a:p>
             <a:pPr lvl="0"/>
             <a:r>
-              <a:rPr lang="en-US" smtClean="0"/>
+              <a:rPr lang="en-US"/>
               <a:t>Click to edit Master text styles</a:t>
             </a:r>
           </a:p>
           <a:p>
             <a:pPr lvl="1"/>
             <a:r>
-              <a:rPr lang="en-US" smtClean="0"/>
+              <a:rPr lang="en-US"/>
               <a:t>Second level</a:t>
             </a:r>
           </a:p>
           <a:p>
             <a:pPr lvl="2"/>
             <a:r>
-              <a:rPr lang="en-US" smtClean="0"/>
+              <a:rPr lang="en-US"/>
               <a:t>Third level</a:t>
             </a:r>
           </a:p>
           <a:p>
             <a:pPr lvl="3"/>
             <a:r>
-              <a:rPr lang="en-US" smtClean="0"/>
+              <a:rPr lang="en-US"/>
               <a:t>Fourth level</a:t>
             </a:r>
           </a:p>
           <a:p>
             <a:pPr lvl="4"/>
             <a:r>
-              <a:rPr lang="en-US" smtClean="0"/>
+              <a:rPr lang="en-US"/>
               <a:t>Fifth level</a:t>
             </a:r>
-            <a:endParaRPr lang="en-US"/>
           </a:p>
         </p:txBody>
       </p:sp>
@@ -1346,7 +1350,7 @@
           <a:p>
             <a:fld id="{4606BDE2-0170-124B-BE04-295401397446}" type="datetimeFigureOut">
               <a:rPr lang="en-US" smtClean="0"/>
-              <a:t>06/06/16</a:t>
+              <a:t>9/21/18</a:t>
             </a:fld>
             <a:endParaRPr lang="en-US"/>
           </a:p>
@@ -1444,10 +1448,9 @@
           </a:lstStyle>
           <a:p>
             <a:r>
-              <a:rPr lang="en-US" smtClean="0"/>
+              <a:rPr lang="en-US"/>
               <a:t>Click to edit Master title style</a:t>
             </a:r>
-            <a:endParaRPr lang="en-US"/>
           </a:p>
         </p:txBody>
       </p:sp>
@@ -1510,7 +1513,7 @@
           <a:p>
             <a:pPr lvl="0"/>
             <a:r>
-              <a:rPr lang="en-US" smtClean="0"/>
+              <a:rPr lang="en-US"/>
               <a:t>Click to edit Master text styles</a:t>
             </a:r>
           </a:p>
@@ -1566,38 +1569,37 @@
           <a:p>
             <a:pPr lvl="0"/>
             <a:r>
-              <a:rPr lang="en-US" smtClean="0"/>
+              <a:rPr lang="en-US"/>
               <a:t>Click to edit Master text styles</a:t>
             </a:r>
           </a:p>
           <a:p>
             <a:pPr lvl="1"/>
             <a:r>
-              <a:rPr lang="en-US" smtClean="0"/>
+              <a:rPr lang="en-US"/>
               <a:t>Second level</a:t>
             </a:r>
           </a:p>
           <a:p>
             <a:pPr lvl="2"/>
             <a:r>
-              <a:rPr lang="en-US" smtClean="0"/>
+              <a:rPr lang="en-US"/>
               <a:t>Third level</a:t>
             </a:r>
           </a:p>
           <a:p>
             <a:pPr lvl="3"/>
             <a:r>
-              <a:rPr lang="en-US" smtClean="0"/>
+              <a:rPr lang="en-US"/>
               <a:t>Fourth level</a:t>
             </a:r>
           </a:p>
           <a:p>
             <a:pPr lvl="4"/>
             <a:r>
-              <a:rPr lang="en-US" smtClean="0"/>
+              <a:rPr lang="en-US"/>
               <a:t>Fifth level</a:t>
             </a:r>
-            <a:endParaRPr lang="en-US"/>
           </a:p>
         </p:txBody>
       </p:sp>
@@ -1660,7 +1662,7 @@
           <a:p>
             <a:pPr lvl="0"/>
             <a:r>
-              <a:rPr lang="en-US" smtClean="0"/>
+              <a:rPr lang="en-US"/>
               <a:t>Click to edit Master text styles</a:t>
             </a:r>
           </a:p>
@@ -1716,38 +1718,37 @@
           <a:p>
             <a:pPr lvl="0"/>
             <a:r>
-              <a:rPr lang="en-US" smtClean="0"/>
+              <a:rPr lang="en-US"/>
               <a:t>Click to edit Master text styles</a:t>
             </a:r>
           </a:p>
           <a:p>
             <a:pPr lvl="1"/>
             <a:r>
-              <a:rPr lang="en-US" smtClean="0"/>
+              <a:rPr lang="en-US"/>
               <a:t>Second level</a:t>
             </a:r>
           </a:p>
           <a:p>
             <a:pPr lvl="2"/>
             <a:r>
-              <a:rPr lang="en-US" smtClean="0"/>
+              <a:rPr lang="en-US"/>
               <a:t>Third level</a:t>
             </a:r>
           </a:p>
           <a:p>
             <a:pPr lvl="3"/>
             <a:r>
-              <a:rPr lang="en-US" smtClean="0"/>
+              <a:rPr lang="en-US"/>
               <a:t>Fourth level</a:t>
             </a:r>
           </a:p>
           <a:p>
             <a:pPr lvl="4"/>
             <a:r>
-              <a:rPr lang="en-US" smtClean="0"/>
+              <a:rPr lang="en-US"/>
               <a:t>Fifth level</a:t>
             </a:r>
-            <a:endParaRPr lang="en-US"/>
           </a:p>
         </p:txBody>
       </p:sp>
@@ -1768,7 +1769,7 @@
           <a:p>
             <a:fld id="{4606BDE2-0170-124B-BE04-295401397446}" type="datetimeFigureOut">
               <a:rPr lang="en-US" smtClean="0"/>
-              <a:t>06/06/16</a:t>
+              <a:t>9/21/18</a:t>
             </a:fld>
             <a:endParaRPr lang="en-US"/>
           </a:p>
@@ -1862,10 +1863,9 @@
           <a:lstStyle/>
           <a:p>
             <a:r>
-              <a:rPr lang="en-US" smtClean="0"/>
+              <a:rPr lang="en-US"/>
               <a:t>Click to edit Master title style</a:t>
             </a:r>
-            <a:endParaRPr lang="en-US"/>
           </a:p>
         </p:txBody>
       </p:sp>
@@ -1886,7 +1886,7 @@
           <a:p>
             <a:fld id="{4606BDE2-0170-124B-BE04-295401397446}" type="datetimeFigureOut">
               <a:rPr lang="en-US" smtClean="0"/>
-              <a:t>06/06/16</a:t>
+              <a:t>9/21/18</a:t>
             </a:fld>
             <a:endParaRPr lang="en-US"/>
           </a:p>
@@ -1981,7 +1981,7 @@
           <a:p>
             <a:fld id="{4606BDE2-0170-124B-BE04-295401397446}" type="datetimeFigureOut">
               <a:rPr lang="en-US" smtClean="0"/>
-              <a:t>06/06/16</a:t>
+              <a:t>9/21/18</a:t>
             </a:fld>
             <a:endParaRPr lang="en-US"/>
           </a:p>
@@ -2084,10 +2084,9 @@
           </a:lstStyle>
           <a:p>
             <a:r>
-              <a:rPr lang="en-US" smtClean="0"/>
+              <a:rPr lang="en-US"/>
               <a:t>Click to edit Master title style</a:t>
             </a:r>
-            <a:endParaRPr lang="en-US"/>
           </a:p>
         </p:txBody>
       </p:sp>
@@ -2141,38 +2140,37 @@
           <a:p>
             <a:pPr lvl="0"/>
             <a:r>
-              <a:rPr lang="en-US" smtClean="0"/>
+              <a:rPr lang="en-US"/>
               <a:t>Click to edit Master text styles</a:t>
             </a:r>
           </a:p>
           <a:p>
             <a:pPr lvl="1"/>
             <a:r>
-              <a:rPr lang="en-US" smtClean="0"/>
+              <a:rPr lang="en-US"/>
               <a:t>Second level</a:t>
             </a:r>
           </a:p>
           <a:p>
             <a:pPr lvl="2"/>
             <a:r>
-              <a:rPr lang="en-US" smtClean="0"/>
+              <a:rPr lang="en-US"/>
               <a:t>Third level</a:t>
             </a:r>
           </a:p>
           <a:p>
             <a:pPr lvl="3"/>
             <a:r>
-              <a:rPr lang="en-US" smtClean="0"/>
+              <a:rPr lang="en-US"/>
               <a:t>Fourth level</a:t>
             </a:r>
           </a:p>
           <a:p>
             <a:pPr lvl="4"/>
             <a:r>
-              <a:rPr lang="en-US" smtClean="0"/>
+              <a:rPr lang="en-US"/>
               <a:t>Fifth level</a:t>
             </a:r>
-            <a:endParaRPr lang="en-US"/>
           </a:p>
         </p:txBody>
       </p:sp>
@@ -2235,7 +2233,7 @@
           <a:p>
             <a:pPr lvl="0"/>
             <a:r>
-              <a:rPr lang="en-US" smtClean="0"/>
+              <a:rPr lang="en-US"/>
               <a:t>Click to edit Master text styles</a:t>
             </a:r>
           </a:p>
@@ -2258,7 +2256,7 @@
           <a:p>
             <a:fld id="{4606BDE2-0170-124B-BE04-295401397446}" type="datetimeFigureOut">
               <a:rPr lang="en-US" smtClean="0"/>
-              <a:t>06/06/16</a:t>
+              <a:t>9/21/18</a:t>
             </a:fld>
             <a:endParaRPr lang="en-US"/>
           </a:p>
@@ -2361,10 +2359,9 @@
           </a:lstStyle>
           <a:p>
             <a:r>
-              <a:rPr lang="en-US" smtClean="0"/>
+              <a:rPr lang="en-US"/>
               <a:t>Click to edit Master title style</a:t>
             </a:r>
-            <a:endParaRPr lang="en-US"/>
           </a:p>
         </p:txBody>
       </p:sp>
@@ -2488,7 +2485,7 @@
           <a:p>
             <a:pPr lvl="0"/>
             <a:r>
-              <a:rPr lang="en-US" smtClean="0"/>
+              <a:rPr lang="en-US"/>
               <a:t>Click to edit Master text styles</a:t>
             </a:r>
           </a:p>
@@ -2511,7 +2508,7 @@
           <a:p>
             <a:fld id="{4606BDE2-0170-124B-BE04-295401397446}" type="datetimeFigureOut">
               <a:rPr lang="en-US" smtClean="0"/>
-              <a:t>06/06/16</a:t>
+              <a:t>9/21/18</a:t>
             </a:fld>
             <a:endParaRPr lang="en-US"/>
           </a:p>
@@ -2620,10 +2617,9 @@
           <a:lstStyle/>
           <a:p>
             <a:r>
-              <a:rPr lang="en-US" smtClean="0"/>
+              <a:rPr lang="en-US"/>
               <a:t>Click to edit Master title style</a:t>
             </a:r>
-            <a:endParaRPr lang="en-US"/>
           </a:p>
         </p:txBody>
       </p:sp>
@@ -2654,38 +2650,37 @@
           <a:p>
             <a:pPr lvl="0"/>
             <a:r>
-              <a:rPr lang="en-US" smtClean="0"/>
+              <a:rPr lang="en-US"/>
               <a:t>Click to edit Master text styles</a:t>
             </a:r>
           </a:p>
           <a:p>
             <a:pPr lvl="1"/>
             <a:r>
-              <a:rPr lang="en-US" smtClean="0"/>
+              <a:rPr lang="en-US"/>
               <a:t>Second level</a:t>
             </a:r>
           </a:p>
           <a:p>
             <a:pPr lvl="2"/>
             <a:r>
-              <a:rPr lang="en-US" smtClean="0"/>
+              <a:rPr lang="en-US"/>
               <a:t>Third level</a:t>
             </a:r>
           </a:p>
           <a:p>
             <a:pPr lvl="3"/>
             <a:r>
-              <a:rPr lang="en-US" smtClean="0"/>
+              <a:rPr lang="en-US"/>
               <a:t>Fourth level</a:t>
             </a:r>
           </a:p>
           <a:p>
             <a:pPr lvl="4"/>
             <a:r>
-              <a:rPr lang="en-US" smtClean="0"/>
+              <a:rPr lang="en-US"/>
               <a:t>Fifth level</a:t>
             </a:r>
-            <a:endParaRPr lang="en-US"/>
           </a:p>
         </p:txBody>
       </p:sp>
@@ -2724,7 +2719,7 @@
           <a:p>
             <a:fld id="{4606BDE2-0170-124B-BE04-295401397446}" type="datetimeFigureOut">
               <a:rPr lang="en-US" smtClean="0"/>
-              <a:t>06/06/16</a:t>
+              <a:t>9/21/18</a:t>
             </a:fld>
             <a:endParaRPr lang="en-US"/>
           </a:p>
@@ -3085,6 +3080,14 @@
 <file path=ppt/slides/slide1.xml><?xml version="1.0" encoding="utf-8"?>
 <p:sld xmlns:a="http://schemas.openxmlformats.org/drawingml/2006/main" xmlns:r="http://schemas.openxmlformats.org/officeDocument/2006/relationships" xmlns:p="http://schemas.openxmlformats.org/presentationml/2006/main">
   <p:cSld>
+    <p:bg>
+      <p:bgPr>
+        <a:solidFill>
+          <a:schemeClr val="tx1"/>
+        </a:solidFill>
+        <a:effectLst/>
+      </p:bgPr>
+    </p:bg>
     <p:spTree>
       <p:nvGrpSpPr>
         <p:cNvPr id="1" name=""/>
@@ -3107,9 +3110,9 @@
         </p:nvGrpSpPr>
         <p:grpSpPr>
           <a:xfrm>
-            <a:off x="1097705" y="697023"/>
+            <a:off x="1097705" y="736778"/>
             <a:ext cx="1356294" cy="3093582"/>
-            <a:chOff x="1097705" y="620639"/>
+            <a:chOff x="1097705" y="517276"/>
             <a:chExt cx="1356294" cy="3093582"/>
           </a:xfrm>
         </p:grpSpPr>
@@ -3121,7 +3124,7 @@
           </p:nvSpPr>
           <p:spPr>
             <a:xfrm>
-              <a:off x="1231775" y="620639"/>
+              <a:off x="1231775" y="517276"/>
               <a:ext cx="1222224" cy="3093582"/>
             </a:xfrm>
             <a:prstGeom prst="rect">
@@ -3141,7 +3144,10 @@
                 </a:lnSpc>
               </a:pPr>
               <a:r>
-                <a:rPr lang="en-US" sz="13800" dirty="0" smtClean="0">
+                <a:rPr lang="en-US" sz="13800" b="1" dirty="0">
+                  <a:solidFill>
+                    <a:schemeClr val="bg1"/>
+                  </a:solidFill>
                   <a:latin typeface="Helvetica Neue Thin"/>
                   <a:cs typeface="Helvetica Neue Thin"/>
                 </a:rPr>
@@ -3155,16 +3161,15 @@
                 </a:lnSpc>
               </a:pPr>
               <a:r>
-                <a:rPr lang="en-US" sz="13800" dirty="0" smtClean="0">
+                <a:rPr lang="en-US" sz="13800" b="1" dirty="0">
+                  <a:solidFill>
+                    <a:schemeClr val="bg1"/>
+                  </a:solidFill>
                   <a:latin typeface="Helvetica Neue Thin"/>
                   <a:cs typeface="Helvetica Neue Thin"/>
                 </a:rPr>
                 <a:t>x</a:t>
               </a:r>
-              <a:endParaRPr lang="en-US" sz="13800" dirty="0">
-                <a:latin typeface="Helvetica Neue Thin"/>
-                <a:cs typeface="Helvetica Neue Thin"/>
-              </a:endParaRPr>
             </a:p>
           </p:txBody>
         </p:sp>
@@ -3176,7 +3181,7 @@
           </p:nvSpPr>
           <p:spPr>
             <a:xfrm>
-              <a:off x="1097705" y="773039"/>
+              <a:off x="1097705" y="582208"/>
               <a:ext cx="1222224" cy="2215991"/>
             </a:xfrm>
             <a:prstGeom prst="rect">
@@ -3191,16 +3196,15 @@
             <a:lstStyle/>
             <a:p>
               <a:r>
-                <a:rPr lang="en-US" sz="13800" dirty="0" smtClean="0">
+                <a:rPr lang="en-US" sz="13800" b="1" dirty="0">
+                  <a:solidFill>
+                    <a:schemeClr val="bg1"/>
+                  </a:solidFill>
                   <a:latin typeface="Helvetica Neue Thin"/>
                   <a:cs typeface="Helvetica Neue Thin"/>
                 </a:rPr>
                 <a:t>−</a:t>
               </a:r>
-              <a:endParaRPr lang="en-US" sz="13800" dirty="0">
-                <a:latin typeface="Helvetica Neue Thin"/>
-                <a:cs typeface="Helvetica Neue Thin"/>
-              </a:endParaRPr>
             </a:p>
           </p:txBody>
         </p:sp>
@@ -3213,10 +3217,10 @@
         </p:nvGrpSpPr>
         <p:grpSpPr>
           <a:xfrm>
-            <a:off x="6224931" y="1567479"/>
-            <a:ext cx="2578524" cy="2385545"/>
-            <a:chOff x="2882913" y="984673"/>
-            <a:chExt cx="2578524" cy="2385545"/>
+            <a:off x="6224931" y="1027148"/>
+            <a:ext cx="2578524" cy="2298492"/>
+            <a:chOff x="2882913" y="444342"/>
+            <a:chExt cx="2578524" cy="2298492"/>
           </a:xfrm>
         </p:grpSpPr>
         <p:sp>
@@ -3227,8 +3231,8 @@
           </p:nvSpPr>
           <p:spPr>
             <a:xfrm>
-              <a:off x="4239213" y="1720621"/>
-              <a:ext cx="1222224" cy="1649597"/>
+              <a:off x="4239213" y="1180290"/>
+              <a:ext cx="1222224" cy="1562544"/>
             </a:xfrm>
             <a:prstGeom prst="rect">
               <a:avLst/>
@@ -3247,16 +3251,15 @@
                 </a:lnSpc>
               </a:pPr>
               <a:r>
-                <a:rPr lang="en-US" sz="13800" dirty="0" smtClean="0">
+                <a:rPr lang="en-US" sz="13800" b="1" dirty="0">
+                  <a:solidFill>
+                    <a:schemeClr val="bg1"/>
+                  </a:solidFill>
                   <a:latin typeface="Helvetica Neue Thin"/>
                   <a:cs typeface="Helvetica Neue Thin"/>
                 </a:rPr>
                 <a:t>−</a:t>
               </a:r>
-              <a:endParaRPr lang="en-US" sz="13800" dirty="0">
-                <a:latin typeface="Helvetica Neue Thin"/>
-                <a:cs typeface="Helvetica Neue Thin"/>
-              </a:endParaRPr>
             </a:p>
           </p:txBody>
         </p:sp>
@@ -3268,8 +3271,8 @@
           </p:nvSpPr>
           <p:spPr>
             <a:xfrm>
-              <a:off x="3981024" y="1491095"/>
-              <a:ext cx="1222224" cy="1649597"/>
+              <a:off x="3981024" y="950764"/>
+              <a:ext cx="1222224" cy="1562544"/>
             </a:xfrm>
             <a:prstGeom prst="rect">
               <a:avLst/>
@@ -3288,16 +3291,15 @@
                 </a:lnSpc>
               </a:pPr>
               <a:r>
-                <a:rPr lang="en-US" sz="13800" dirty="0" smtClean="0">
+                <a:rPr lang="en-US" sz="13800" b="1" dirty="0">
+                  <a:solidFill>
+                    <a:schemeClr val="bg1"/>
+                  </a:solidFill>
                   <a:latin typeface="Helvetica Neue Thin"/>
                   <a:cs typeface="Helvetica Neue Thin"/>
                 </a:rPr>
                 <a:t>∕</a:t>
               </a:r>
-              <a:endParaRPr lang="en-US" sz="13800" dirty="0">
-                <a:latin typeface="Helvetica Neue Thin"/>
-                <a:cs typeface="Helvetica Neue Thin"/>
-              </a:endParaRPr>
             </a:p>
           </p:txBody>
         </p:sp>
@@ -3309,8 +3311,8 @@
           </p:nvSpPr>
           <p:spPr>
             <a:xfrm>
-              <a:off x="2882913" y="984673"/>
-              <a:ext cx="1222224" cy="1649597"/>
+              <a:off x="2882913" y="444342"/>
+              <a:ext cx="1222224" cy="1562544"/>
             </a:xfrm>
             <a:prstGeom prst="rect">
               <a:avLst/>
@@ -3329,16 +3331,15 @@
                 </a:lnSpc>
               </a:pPr>
               <a:r>
-                <a:rPr lang="en-US" sz="13800" dirty="0" smtClean="0">
+                <a:rPr lang="en-US" sz="13800" b="1" dirty="0">
+                  <a:solidFill>
+                    <a:schemeClr val="bg1"/>
+                  </a:solidFill>
                   <a:latin typeface="Helvetica Neue Thin"/>
                   <a:cs typeface="Helvetica Neue Thin"/>
                 </a:rPr>
                 <a:t>+</a:t>
               </a:r>
-              <a:endParaRPr lang="en-US" sz="13800" dirty="0">
-                <a:latin typeface="Helvetica Neue Thin"/>
-                <a:cs typeface="Helvetica Neue Thin"/>
-              </a:endParaRPr>
             </a:p>
           </p:txBody>
         </p:sp>
@@ -3352,9 +3353,9 @@
         <p:grpSpPr>
           <a:xfrm>
             <a:off x="2806352" y="985406"/>
-            <a:ext cx="1496833" cy="2174382"/>
+            <a:ext cx="1496833" cy="2087329"/>
             <a:chOff x="1030876" y="3475548"/>
-            <a:chExt cx="1496833" cy="2174382"/>
+            <a:chExt cx="1496833" cy="2087329"/>
           </a:xfrm>
         </p:grpSpPr>
         <p:sp>
@@ -3366,7 +3367,7 @@
           <p:spPr>
             <a:xfrm>
               <a:off x="1030876" y="4000333"/>
-              <a:ext cx="1117565" cy="1649597"/>
+              <a:ext cx="1117565" cy="1562544"/>
             </a:xfrm>
             <a:prstGeom prst="rect">
               <a:avLst/>
@@ -3385,13 +3386,19 @@
                 </a:lnSpc>
               </a:pPr>
               <a:r>
-                <a:rPr lang="en-US" sz="13800" dirty="0" smtClean="0">
+                <a:rPr lang="en-US" sz="13800" b="1" dirty="0">
+                  <a:solidFill>
+                    <a:schemeClr val="bg1"/>
+                  </a:solidFill>
                   <a:latin typeface="Helvetica Neue Thin"/>
                   <a:cs typeface="Helvetica Neue Thin"/>
                 </a:rPr>
                 <a:t>x</a:t>
               </a:r>
-              <a:endParaRPr lang="en-US" sz="13800" baseline="30000" dirty="0">
+              <a:endParaRPr lang="en-US" sz="13800" b="1" baseline="30000" dirty="0">
+                <a:solidFill>
+                  <a:schemeClr val="bg1"/>
+                </a:solidFill>
                 <a:latin typeface="Helvetica Neue Thin"/>
                 <a:cs typeface="Helvetica Neue Thin"/>
               </a:endParaRPr>
@@ -3407,7 +3414,7 @@
           <p:spPr>
             <a:xfrm>
               <a:off x="1864663" y="3475548"/>
-              <a:ext cx="663046" cy="1432443"/>
+              <a:ext cx="663046" cy="1342099"/>
             </a:xfrm>
             <a:prstGeom prst="rect">
               <a:avLst/>
@@ -3426,16 +3433,15 @@
                 </a:lnSpc>
               </a:pPr>
               <a:r>
-                <a:rPr lang="en-US" sz="8800" baseline="30000" dirty="0" smtClean="0">
+                <a:rPr lang="en-US" sz="8800" b="1" baseline="30000" dirty="0">
+                  <a:solidFill>
+                    <a:schemeClr val="bg1"/>
+                  </a:solidFill>
                   <a:latin typeface="Helvetica Neue Light"/>
                   <a:cs typeface="Helvetica Neue Light"/>
                 </a:rPr>
                 <a:t>2</a:t>
               </a:r>
-              <a:endParaRPr lang="en-US" sz="8800" baseline="30000" dirty="0">
-                <a:latin typeface="Helvetica Neue Light"/>
-                <a:cs typeface="Helvetica Neue Light"/>
-              </a:endParaRPr>
             </a:p>
           </p:txBody>
         </p:sp>
@@ -3509,9 +3515,9 @@
         <p:grpSpPr>
           <a:xfrm>
             <a:off x="4400602" y="958702"/>
-            <a:ext cx="1496833" cy="2174382"/>
+            <a:ext cx="1496833" cy="2087329"/>
             <a:chOff x="1030876" y="3475548"/>
-            <a:chExt cx="1496833" cy="2174382"/>
+            <a:chExt cx="1496833" cy="2087329"/>
           </a:xfrm>
         </p:grpSpPr>
         <p:sp>
@@ -3523,7 +3529,7 @@
           <p:spPr>
             <a:xfrm>
               <a:off x="1030876" y="4000333"/>
-              <a:ext cx="1117565" cy="1649597"/>
+              <a:ext cx="1117565" cy="1562544"/>
             </a:xfrm>
             <a:prstGeom prst="rect">
               <a:avLst/>
@@ -3542,13 +3548,19 @@
                 </a:lnSpc>
               </a:pPr>
               <a:r>
-                <a:rPr lang="en-US" sz="13800" dirty="0" smtClean="0">
+                <a:rPr lang="en-US" sz="13800" b="1" dirty="0">
+                  <a:solidFill>
+                    <a:schemeClr val="bg1"/>
+                  </a:solidFill>
                   <a:latin typeface="Helvetica Neue Thin"/>
                   <a:cs typeface="Helvetica Neue Thin"/>
                 </a:rPr>
                 <a:t>x</a:t>
               </a:r>
-              <a:endParaRPr lang="en-US" sz="13800" baseline="30000" dirty="0">
+              <a:endParaRPr lang="en-US" sz="13800" b="1" baseline="30000" dirty="0">
+                <a:solidFill>
+                  <a:schemeClr val="bg1"/>
+                </a:solidFill>
                 <a:latin typeface="Helvetica Neue Thin"/>
                 <a:cs typeface="Helvetica Neue Thin"/>
               </a:endParaRPr>
@@ -3564,7 +3576,7 @@
           <p:spPr>
             <a:xfrm>
               <a:off x="1864663" y="3475548"/>
-              <a:ext cx="663046" cy="1446122"/>
+              <a:ext cx="663046" cy="1342099"/>
             </a:xfrm>
             <a:prstGeom prst="rect">
               <a:avLst/>
@@ -3583,16 +3595,15 @@
                 </a:lnSpc>
               </a:pPr>
               <a:r>
-                <a:rPr lang="en-US" sz="8800" baseline="30000" dirty="0" smtClean="0">
+                <a:rPr lang="en-US" sz="8800" b="1" baseline="30000" dirty="0">
+                  <a:solidFill>
+                    <a:schemeClr val="bg1"/>
+                  </a:solidFill>
                   <a:latin typeface="Helvetica Neue Light"/>
                   <a:cs typeface="Helvetica Neue Light"/>
                 </a:rPr>
                 <a:t>3</a:t>
               </a:r>
-              <a:endParaRPr lang="en-US" sz="8800" baseline="30000" dirty="0">
-                <a:latin typeface="Helvetica Neue Light"/>
-                <a:cs typeface="Helvetica Neue Light"/>
-              </a:endParaRPr>
             </a:p>
           </p:txBody>
         </p:sp>
@@ -3613,6 +3624,14 @@
 <file path=ppt/slides/slide2.xml><?xml version="1.0" encoding="utf-8"?>
 <p:sld xmlns:a="http://schemas.openxmlformats.org/drawingml/2006/main" xmlns:r="http://schemas.openxmlformats.org/officeDocument/2006/relationships" xmlns:p="http://schemas.openxmlformats.org/presentationml/2006/main">
   <p:cSld>
+    <p:bg>
+      <p:bgPr>
+        <a:solidFill>
+          <a:schemeClr val="tx1"/>
+        </a:solidFill>
+        <a:effectLst/>
+      </p:bgPr>
+    </p:bg>
     <p:spTree>
       <p:nvGrpSpPr>
         <p:cNvPr id="1" name=""/>
@@ -3636,9 +3655,9 @@
         <p:grpSpPr>
           <a:xfrm>
             <a:off x="343750" y="985406"/>
-            <a:ext cx="1496833" cy="2174382"/>
+            <a:ext cx="1496833" cy="2087329"/>
             <a:chOff x="1030876" y="3475548"/>
-            <a:chExt cx="1496833" cy="2174382"/>
+            <a:chExt cx="1496833" cy="2087329"/>
           </a:xfrm>
         </p:grpSpPr>
         <p:sp>
@@ -3650,7 +3669,7 @@
           <p:spPr>
             <a:xfrm>
               <a:off x="1030876" y="4000333"/>
-              <a:ext cx="1117565" cy="1649597"/>
+              <a:ext cx="1117565" cy="1562544"/>
             </a:xfrm>
             <a:prstGeom prst="rect">
               <a:avLst/>
@@ -3669,13 +3688,19 @@
                 </a:lnSpc>
               </a:pPr>
               <a:r>
-                <a:rPr lang="en-US" sz="13800" dirty="0" smtClean="0">
+                <a:rPr lang="en-US" sz="13800" b="1" dirty="0">
+                  <a:solidFill>
+                    <a:schemeClr val="bg1"/>
+                  </a:solidFill>
                   <a:latin typeface="Helvetica Neue Thin"/>
                   <a:cs typeface="Helvetica Neue Thin"/>
                 </a:rPr>
                 <a:t>e</a:t>
               </a:r>
-              <a:endParaRPr lang="en-US" sz="13800" baseline="30000" dirty="0">
+              <a:endParaRPr lang="en-US" sz="13800" b="1" baseline="30000" dirty="0">
+                <a:solidFill>
+                  <a:schemeClr val="bg1"/>
+                </a:solidFill>
                 <a:latin typeface="Helvetica Neue Thin"/>
                 <a:cs typeface="Helvetica Neue Thin"/>
               </a:endParaRPr>
@@ -3691,7 +3716,7 @@
           <p:spPr>
             <a:xfrm>
               <a:off x="1864663" y="3475548"/>
-              <a:ext cx="663046" cy="1432443"/>
+              <a:ext cx="663046" cy="1342099"/>
             </a:xfrm>
             <a:prstGeom prst="rect">
               <a:avLst/>
@@ -3710,7 +3735,10 @@
                 </a:lnSpc>
               </a:pPr>
               <a:r>
-                <a:rPr lang="en-US" sz="8800" baseline="30000" dirty="0">
+                <a:rPr lang="en-US" sz="8800" b="1" baseline="30000" dirty="0">
+                  <a:solidFill>
+                    <a:schemeClr val="bg1"/>
+                  </a:solidFill>
                   <a:latin typeface="Helvetica Neue Light"/>
                   <a:cs typeface="Helvetica Neue Light"/>
                 </a:rPr>
@@ -3789,9 +3817,9 @@
         <p:grpSpPr>
           <a:xfrm>
             <a:off x="1938000" y="958702"/>
-            <a:ext cx="1496833" cy="2174382"/>
+            <a:ext cx="1496833" cy="2087329"/>
             <a:chOff x="1030876" y="3475548"/>
-            <a:chExt cx="1496833" cy="2174382"/>
+            <a:chExt cx="1496833" cy="2087329"/>
           </a:xfrm>
         </p:grpSpPr>
         <p:sp>
@@ -3803,7 +3831,7 @@
           <p:spPr>
             <a:xfrm>
               <a:off x="1030876" y="4000333"/>
-              <a:ext cx="1117565" cy="1649597"/>
+              <a:ext cx="1117565" cy="1562544"/>
             </a:xfrm>
             <a:prstGeom prst="rect">
               <a:avLst/>
@@ -3822,13 +3850,19 @@
                 </a:lnSpc>
               </a:pPr>
               <a:r>
-                <a:rPr lang="en-US" sz="13800" dirty="0" smtClean="0">
+                <a:rPr lang="en-US" sz="13800" b="1" dirty="0">
+                  <a:solidFill>
+                    <a:schemeClr val="bg1"/>
+                  </a:solidFill>
                   <a:latin typeface="Helvetica Neue Thin"/>
                   <a:cs typeface="Helvetica Neue Thin"/>
                 </a:rPr>
                 <a:t>x</a:t>
               </a:r>
-              <a:endParaRPr lang="en-US" sz="13800" baseline="30000" dirty="0">
+              <a:endParaRPr lang="en-US" sz="13800" b="1" baseline="30000" dirty="0">
+                <a:solidFill>
+                  <a:schemeClr val="bg1"/>
+                </a:solidFill>
                 <a:latin typeface="Helvetica Neue Thin"/>
                 <a:cs typeface="Helvetica Neue Thin"/>
               </a:endParaRPr>
@@ -3844,7 +3878,7 @@
           <p:spPr>
             <a:xfrm>
               <a:off x="1864663" y="3475548"/>
-              <a:ext cx="663046" cy="1446122"/>
+              <a:ext cx="663046" cy="1342099"/>
             </a:xfrm>
             <a:prstGeom prst="rect">
               <a:avLst/>
@@ -3863,7 +3897,10 @@
                 </a:lnSpc>
               </a:pPr>
               <a:r>
-                <a:rPr lang="en-US" sz="8800" baseline="30000" dirty="0">
+                <a:rPr lang="en-US" sz="8800" b="1" baseline="30000" dirty="0">
+                  <a:solidFill>
+                    <a:schemeClr val="bg1"/>
+                  </a:solidFill>
                   <a:latin typeface="Helvetica Neue Light"/>
                   <a:cs typeface="Helvetica Neue Light"/>
                 </a:rPr>
@@ -3882,7 +3919,7 @@
         <p:spPr>
           <a:xfrm>
             <a:off x="3542170" y="1519371"/>
-            <a:ext cx="955241" cy="1649597"/>
+            <a:ext cx="955241" cy="1541448"/>
           </a:xfrm>
           <a:prstGeom prst="rect">
             <a:avLst/>
@@ -3901,13 +3938,19 @@
               </a:lnSpc>
             </a:pPr>
             <a:r>
-              <a:rPr lang="en-US" sz="11500" kern="1400" dirty="0" smtClean="0">
+              <a:rPr lang="en-US" sz="11500" b="1" kern="1400" dirty="0">
+                <a:solidFill>
+                  <a:schemeClr val="bg1"/>
+                </a:solidFill>
                 <a:latin typeface="Helvetica Neue Thin"/>
                 <a:cs typeface="Helvetica Neue Thin"/>
               </a:rPr>
               <a:t>1</a:t>
             </a:r>
-            <a:endParaRPr lang="en-US" sz="11500" kern="1400" baseline="30000" dirty="0">
+            <a:endParaRPr lang="en-US" sz="11500" b="1" kern="1400" baseline="30000" dirty="0">
+              <a:solidFill>
+                <a:schemeClr val="bg1"/>
+              </a:solidFill>
               <a:latin typeface="Helvetica Neue Thin"/>
               <a:cs typeface="Helvetica Neue Thin"/>
             </a:endParaRPr>
@@ -3923,9 +3966,9 @@
         <p:grpSpPr>
           <a:xfrm>
             <a:off x="4267484" y="899474"/>
-            <a:ext cx="1554127" cy="2260314"/>
+            <a:ext cx="1554127" cy="2152165"/>
             <a:chOff x="973582" y="3389616"/>
-            <a:chExt cx="1554127" cy="2260314"/>
+            <a:chExt cx="1554127" cy="2152165"/>
           </a:xfrm>
         </p:grpSpPr>
         <p:sp>
@@ -3937,7 +3980,7 @@
           <p:spPr>
             <a:xfrm>
               <a:off x="973582" y="4000333"/>
-              <a:ext cx="1117565" cy="1649597"/>
+              <a:ext cx="1117565" cy="1541448"/>
             </a:xfrm>
             <a:prstGeom prst="rect">
               <a:avLst/>
@@ -3956,13 +3999,19 @@
                 </a:lnSpc>
               </a:pPr>
               <a:r>
-                <a:rPr lang="en-US" sz="11500" dirty="0">
+                <a:rPr lang="en-US" sz="11500" b="1" dirty="0">
+                  <a:solidFill>
+                    <a:schemeClr val="bg1"/>
+                  </a:solidFill>
                   <a:latin typeface="Helvetica Neue Thin"/>
                   <a:cs typeface="Helvetica Neue Thin"/>
                 </a:rPr>
                 <a:t>0</a:t>
               </a:r>
-              <a:endParaRPr lang="en-US" sz="11500" baseline="30000" dirty="0">
+              <a:endParaRPr lang="en-US" sz="11500" b="1" baseline="30000" dirty="0">
+                <a:solidFill>
+                  <a:schemeClr val="bg1"/>
+                </a:solidFill>
                 <a:latin typeface="Helvetica Neue Thin"/>
                 <a:cs typeface="Helvetica Neue Thin"/>
               </a:endParaRPr>
@@ -3978,7 +4027,7 @@
           <p:spPr>
             <a:xfrm>
               <a:off x="1864663" y="3389616"/>
-              <a:ext cx="663046" cy="1446122"/>
+              <a:ext cx="663046" cy="1342099"/>
             </a:xfrm>
             <a:prstGeom prst="rect">
               <a:avLst/>
@@ -3997,16 +4046,15 @@
                 </a:lnSpc>
               </a:pPr>
               <a:r>
-                <a:rPr lang="en-US" sz="8800" baseline="30000" dirty="0" smtClean="0">
+                <a:rPr lang="en-US" sz="8800" b="1" baseline="30000" dirty="0">
+                  <a:solidFill>
+                    <a:schemeClr val="bg1"/>
+                  </a:solidFill>
                   <a:latin typeface="Helvetica Neue Light"/>
                   <a:cs typeface="Helvetica Neue Light"/>
                 </a:rPr>
                 <a:t>x</a:t>
               </a:r>
-              <a:endParaRPr lang="en-US" sz="8800" baseline="30000" dirty="0">
-                <a:latin typeface="Helvetica Neue Light"/>
-                <a:cs typeface="Helvetica Neue Light"/>
-              </a:endParaRPr>
             </a:p>
           </p:txBody>
         </p:sp>
@@ -4027,6 +4075,14 @@
 <file path=ppt/slides/slide3.xml><?xml version="1.0" encoding="utf-8"?>
 <p:sld xmlns:a="http://schemas.openxmlformats.org/drawingml/2006/main" xmlns:r="http://schemas.openxmlformats.org/officeDocument/2006/relationships" xmlns:p="http://schemas.openxmlformats.org/presentationml/2006/main">
   <p:cSld>
+    <p:bg>
+      <p:bgPr>
+        <a:solidFill>
+          <a:schemeClr val="tx1"/>
+        </a:solidFill>
+        <a:effectLst/>
+      </p:bgPr>
+    </p:bg>
     <p:spTree>
       <p:nvGrpSpPr>
         <p:cNvPr id="1" name=""/>
@@ -4050,7 +4106,7 @@
         <p:spPr>
           <a:xfrm>
             <a:off x="792918" y="1068825"/>
-            <a:ext cx="663046" cy="1432443"/>
+            <a:ext cx="663046" cy="1342099"/>
           </a:xfrm>
           <a:prstGeom prst="rect">
             <a:avLst/>
@@ -4069,16 +4125,15 @@
               </a:lnSpc>
             </a:pPr>
             <a:r>
-              <a:rPr lang="en-US" sz="8800" baseline="30000" dirty="0" smtClean="0">
+              <a:rPr lang="en-US" sz="8800" b="1" baseline="30000" dirty="0">
+                <a:solidFill>
+                  <a:schemeClr val="bg1"/>
+                </a:solidFill>
                 <a:latin typeface="Helvetica Neue Light"/>
                 <a:cs typeface="Helvetica Neue Light"/>
               </a:rPr>
               <a:t>2</a:t>
             </a:r>
-            <a:endParaRPr lang="en-US" sz="8800" baseline="30000" dirty="0">
-              <a:latin typeface="Helvetica Neue Light"/>
-              <a:cs typeface="Helvetica Neue Light"/>
-            </a:endParaRPr>
           </a:p>
         </p:txBody>
       </p:sp>
@@ -4151,7 +4206,7 @@
         <p:spPr>
           <a:xfrm>
             <a:off x="2109882" y="1483487"/>
-            <a:ext cx="1117565" cy="1649597"/>
+            <a:ext cx="1117565" cy="1562544"/>
           </a:xfrm>
           <a:prstGeom prst="rect">
             <a:avLst/>
@@ -4170,13 +4225,19 @@
               </a:lnSpc>
             </a:pPr>
             <a:r>
-              <a:rPr lang="en-US" sz="13800" dirty="0" smtClean="0">
+              <a:rPr lang="en-US" sz="13800" b="1" dirty="0">
+                <a:solidFill>
+                  <a:schemeClr val="bg1"/>
+                </a:solidFill>
                 <a:latin typeface="Helvetica Neue Thin"/>
                 <a:cs typeface="Helvetica Neue Thin"/>
               </a:rPr>
               <a:t>x</a:t>
             </a:r>
-            <a:endParaRPr lang="en-US" sz="13800" baseline="30000" dirty="0">
+            <a:endParaRPr lang="en-US" sz="13800" b="1" baseline="30000" dirty="0">
+              <a:solidFill>
+                <a:schemeClr val="bg1"/>
+              </a:solidFill>
               <a:latin typeface="Helvetica Neue Thin"/>
               <a:cs typeface="Helvetica Neue Thin"/>
             </a:endParaRPr>
@@ -4192,7 +4253,7 @@
         <p:spPr>
           <a:xfrm>
             <a:off x="4268238" y="1068825"/>
-            <a:ext cx="663046" cy="1432443"/>
+            <a:ext cx="663046" cy="1342099"/>
           </a:xfrm>
           <a:prstGeom prst="rect">
             <a:avLst/>
@@ -4211,7 +4272,10 @@
               </a:lnSpc>
             </a:pPr>
             <a:r>
-              <a:rPr lang="en-US" sz="8800" baseline="30000" dirty="0">
+              <a:rPr lang="en-US" sz="8800" b="1" baseline="30000" dirty="0">
+                <a:solidFill>
+                  <a:schemeClr val="bg1"/>
+                </a:solidFill>
                 <a:latin typeface="Helvetica Neue Light"/>
                 <a:cs typeface="Helvetica Neue Light"/>
               </a:rPr>
@@ -4229,7 +4293,7 @@
         <p:spPr>
           <a:xfrm>
             <a:off x="5585202" y="1483487"/>
-            <a:ext cx="1117565" cy="1649597"/>
+            <a:ext cx="1117565" cy="1562544"/>
           </a:xfrm>
           <a:prstGeom prst="rect">
             <a:avLst/>
@@ -4248,13 +4312,19 @@
               </a:lnSpc>
             </a:pPr>
             <a:r>
-              <a:rPr lang="en-US" sz="13800" dirty="0" smtClean="0">
+              <a:rPr lang="en-US" sz="13800" b="1" dirty="0">
+                <a:solidFill>
+                  <a:schemeClr val="bg1"/>
+                </a:solidFill>
                 <a:latin typeface="Helvetica Neue Thin"/>
                 <a:cs typeface="Helvetica Neue Thin"/>
               </a:rPr>
               <a:t>x</a:t>
             </a:r>
-            <a:endParaRPr lang="en-US" sz="13800" baseline="30000" dirty="0">
+            <a:endParaRPr lang="en-US" sz="13800" b="1" baseline="30000" dirty="0">
+              <a:solidFill>
+                <a:schemeClr val="bg1"/>
+              </a:solidFill>
               <a:latin typeface="Helvetica Neue Thin"/>
               <a:cs typeface="Helvetica Neue Thin"/>
             </a:endParaRPr>
@@ -4327,7 +4397,7 @@
           </a:custGeom>
           <a:ln w="76200" cmpd="sng">
             <a:solidFill>
-              <a:schemeClr val="tx1"/>
+              <a:schemeClr val="bg1"/>
             </a:solidFill>
           </a:ln>
           <a:effectLst/>
@@ -4351,7 +4421,11 @@
           <a:lstStyle/>
           <a:p>
             <a:pPr algn="ctr"/>
-            <a:endParaRPr lang="en-US"/>
+            <a:endParaRPr lang="en-US" b="1">
+              <a:solidFill>
+                <a:schemeClr val="bg1"/>
+              </a:solidFill>
+            </a:endParaRPr>
           </a:p>
         </p:txBody>
       </p:sp>
@@ -4421,7 +4495,7 @@
           </a:custGeom>
           <a:ln w="76200" cmpd="sng">
             <a:solidFill>
-              <a:schemeClr val="tx1"/>
+              <a:schemeClr val="bg1"/>
             </a:solidFill>
           </a:ln>
           <a:effectLst/>
@@ -4445,7 +4519,11 @@
           <a:lstStyle/>
           <a:p>
             <a:pPr algn="ctr"/>
-            <a:endParaRPr lang="en-US"/>
+            <a:endParaRPr lang="en-US" b="1">
+              <a:solidFill>
+                <a:schemeClr val="bg1"/>
+              </a:solidFill>
+            </a:endParaRPr>
           </a:p>
         </p:txBody>
       </p:sp>
@@ -4465,6 +4543,14 @@
 <file path=ppt/slides/slide4.xml><?xml version="1.0" encoding="utf-8"?>
 <p:sld xmlns:a="http://schemas.openxmlformats.org/drawingml/2006/main" xmlns:r="http://schemas.openxmlformats.org/officeDocument/2006/relationships" xmlns:p="http://schemas.openxmlformats.org/presentationml/2006/main">
   <p:cSld>
+    <p:bg>
+      <p:bgPr>
+        <a:solidFill>
+          <a:schemeClr val="tx1"/>
+        </a:solidFill>
+        <a:effectLst/>
+      </p:bgPr>
+    </p:bg>
     <p:spTree>
       <p:nvGrpSpPr>
         <p:cNvPr id="1" name=""/>
@@ -4548,7 +4634,7 @@
         <p:spPr>
           <a:xfrm>
             <a:off x="4735372" y="1692807"/>
-            <a:ext cx="1117565" cy="1649597"/>
+            <a:ext cx="1117565" cy="1562544"/>
           </a:xfrm>
           <a:prstGeom prst="rect">
             <a:avLst/>
@@ -4567,13 +4653,19 @@
               </a:lnSpc>
             </a:pPr>
             <a:r>
-              <a:rPr lang="en-US" sz="13800" dirty="0">
+              <a:rPr lang="en-US" sz="13800" b="1" dirty="0">
+                <a:solidFill>
+                  <a:schemeClr val="bg1"/>
+                </a:solidFill>
                 <a:latin typeface="Helvetica Neue Thin"/>
                 <a:cs typeface="Helvetica Neue Thin"/>
               </a:rPr>
               <a:t>y</a:t>
             </a:r>
-            <a:endParaRPr lang="en-US" sz="13800" baseline="30000" dirty="0">
+            <a:endParaRPr lang="en-US" sz="13800" b="1" baseline="30000" dirty="0">
+              <a:solidFill>
+                <a:schemeClr val="bg1"/>
+              </a:solidFill>
               <a:latin typeface="Helvetica Neue Thin"/>
               <a:cs typeface="Helvetica Neue Thin"/>
             </a:endParaRPr>
@@ -4589,7 +4681,7 @@
         <p:spPr>
           <a:xfrm>
             <a:off x="2309663" y="1702723"/>
-            <a:ext cx="1117565" cy="1649597"/>
+            <a:ext cx="1117565" cy="1562544"/>
           </a:xfrm>
           <a:prstGeom prst="rect">
             <a:avLst/>
@@ -4608,13 +4700,19 @@
               </a:lnSpc>
             </a:pPr>
             <a:r>
-              <a:rPr lang="en-US" sz="13800" dirty="0" smtClean="0">
+              <a:rPr lang="en-US" sz="13800" b="1" dirty="0">
+                <a:solidFill>
+                  <a:schemeClr val="bg1"/>
+                </a:solidFill>
                 <a:latin typeface="Helvetica Neue Thin"/>
                 <a:cs typeface="Helvetica Neue Thin"/>
               </a:rPr>
               <a:t>x</a:t>
             </a:r>
-            <a:endParaRPr lang="en-US" sz="13800" baseline="30000" dirty="0">
+            <a:endParaRPr lang="en-US" sz="13800" b="1" baseline="30000" dirty="0">
+              <a:solidFill>
+                <a:schemeClr val="bg1"/>
+              </a:solidFill>
               <a:latin typeface="Helvetica Neue Thin"/>
               <a:cs typeface="Helvetica Neue Thin"/>
             </a:endParaRPr>
@@ -4628,9 +4726,9 @@
           <p:nvPr/>
         </p:nvSpPr>
         <p:spPr>
-          <a:xfrm rot="18900000">
-            <a:off x="3626991" y="1423211"/>
-            <a:ext cx="1117565" cy="3093582"/>
+          <a:xfrm rot="19172064">
+            <a:off x="3134050" y="1607745"/>
+            <a:ext cx="1117565" cy="1650965"/>
           </a:xfrm>
           <a:prstGeom prst="rect">
             <a:avLst/>
@@ -4649,13 +4747,19 @@
               </a:lnSpc>
             </a:pPr>
             <a:r>
-              <a:rPr lang="en-US" sz="13800" dirty="0" smtClean="0">
+              <a:rPr lang="en-US" sz="13800" dirty="0">
+                <a:solidFill>
+                  <a:schemeClr val="bg1"/>
+                </a:solidFill>
                 <a:latin typeface="Helvetica Neue Thin"/>
                 <a:cs typeface="Helvetica Neue Thin"/>
               </a:rPr>
               <a:t>↗︎</a:t>
             </a:r>
             <a:endParaRPr lang="en-US" sz="13800" baseline="30000" dirty="0">
+              <a:solidFill>
+                <a:schemeClr val="bg1"/>
+              </a:solidFill>
               <a:latin typeface="Helvetica Neue Thin"/>
               <a:cs typeface="Helvetica Neue Thin"/>
             </a:endParaRPr>
@@ -4664,14 +4768,20 @@
       </p:sp>
       <p:sp>
         <p:nvSpPr>
-          <p:cNvPr id="18" name="TextBox 17"/>
+          <p:cNvPr id="9" name="TextBox 8">
+            <a:extLst>
+              <a:ext uri="{FF2B5EF4-FFF2-40B4-BE49-F238E27FC236}">
+                <a16:creationId xmlns:a16="http://schemas.microsoft.com/office/drawing/2014/main" id="{6C4C719B-8EC1-C242-85B1-DBF1504FBB2D}"/>
+              </a:ext>
+            </a:extLst>
+          </p:cNvPr>
           <p:cNvSpPr txBox="1"/>
           <p:nvPr/>
         </p:nvSpPr>
         <p:spPr>
-          <a:xfrm rot="18900000">
-            <a:off x="4409625" y="1422843"/>
-            <a:ext cx="1117565" cy="3093582"/>
+          <a:xfrm rot="19172064">
+            <a:off x="3908879" y="1612559"/>
+            <a:ext cx="1117565" cy="1650965"/>
           </a:xfrm>
           <a:prstGeom prst="rect">
             <a:avLst/>
@@ -4690,13 +4800,19 @@
               </a:lnSpc>
             </a:pPr>
             <a:r>
-              <a:rPr lang="en-US" sz="13800" dirty="0" smtClean="0">
+              <a:rPr lang="en-US" sz="13800" dirty="0">
+                <a:solidFill>
+                  <a:schemeClr val="bg1"/>
+                </a:solidFill>
                 <a:latin typeface="Helvetica Neue Thin"/>
                 <a:cs typeface="Helvetica Neue Thin"/>
               </a:rPr>
               <a:t>↗︎</a:t>
             </a:r>
             <a:endParaRPr lang="en-US" sz="13800" baseline="30000" dirty="0">
+              <a:solidFill>
+                <a:schemeClr val="bg1"/>
+              </a:solidFill>
               <a:latin typeface="Helvetica Neue Thin"/>
               <a:cs typeface="Helvetica Neue Thin"/>
             </a:endParaRPr>
@@ -5087,10 +5203,9 @@
           <a:lstStyle/>
           <a:p>
             <a:r>
-              <a:rPr lang="en-US" sz="5400" b="1" dirty="0" smtClean="0"/>
+              <a:rPr lang="en-US" sz="5400" b="1" dirty="0"/>
               <a:t>GMP</a:t>
             </a:r>
-            <a:endParaRPr lang="en-US" sz="5400" b="1" dirty="0"/>
           </a:p>
         </p:txBody>
       </p:sp>
